--- a/15_Ch18_API_p.pptx
+++ b/15_Ch18_API_p.pptx
@@ -217,7 +217,7 @@
             <a:fld id="{6837EDA8-41C8-4B24-A206-13C08A65A6D7}" type="datetimeFigureOut">
               <a:rPr lang="zh-TW" altLang="en-US" smtClean="0"/>
               <a:pPr/>
-              <a:t>2019/1/8</a:t>
+              <a:t>2019/1/9</a:t>
             </a:fld>
             <a:endParaRPr lang="zh-TW" altLang="en-US"/>
           </a:p>
@@ -670,7 +670,7 @@
             <a:fld id="{8B85509C-BD4F-47BF-9B1E-FC2E949B3621}" type="datetime1">
               <a:rPr lang="zh-TW" altLang="en-US" smtClean="0"/>
               <a:pPr/>
-              <a:t>2019/1/8</a:t>
+              <a:t>2019/1/9</a:t>
             </a:fld>
             <a:endParaRPr lang="zh-TW" altLang="en-US"/>
           </a:p>
@@ -843,7 +843,7 @@
             <a:fld id="{42251B24-F787-4C15-8A0F-7AEC20C70069}" type="datetime1">
               <a:rPr lang="zh-TW" altLang="en-US" smtClean="0"/>
               <a:pPr/>
-              <a:t>2019/1/8</a:t>
+              <a:t>2019/1/9</a:t>
             </a:fld>
             <a:endParaRPr lang="zh-TW" altLang="en-US"/>
           </a:p>
@@ -1018,7 +1018,7 @@
             <a:fld id="{9CA0D33C-CE2B-45F1-B8D4-FFD1F131F331}" type="datetime1">
               <a:rPr lang="zh-TW" altLang="en-US" smtClean="0"/>
               <a:pPr/>
-              <a:t>2019/1/8</a:t>
+              <a:t>2019/1/9</a:t>
             </a:fld>
             <a:endParaRPr lang="zh-TW" altLang="en-US"/>
           </a:p>
@@ -1183,7 +1183,7 @@
             <a:fld id="{50B99440-D9EF-40CC-9B52-F6428D9B2C76}" type="datetime1">
               <a:rPr lang="zh-TW" altLang="en-US" smtClean="0"/>
               <a:pPr/>
-              <a:t>2019/1/8</a:t>
+              <a:t>2019/1/9</a:t>
             </a:fld>
             <a:endParaRPr lang="zh-TW" altLang="en-US"/>
           </a:p>
@@ -1425,7 +1425,7 @@
             <a:fld id="{0871BF52-5C6C-4959-8E27-CECB68D39FE4}" type="datetime1">
               <a:rPr lang="zh-TW" altLang="en-US" smtClean="0"/>
               <a:pPr/>
-              <a:t>2019/1/8</a:t>
+              <a:t>2019/1/9</a:t>
             </a:fld>
             <a:endParaRPr lang="zh-TW" altLang="en-US"/>
           </a:p>
@@ -1707,7 +1707,7 @@
             <a:fld id="{DF863F05-2DD9-4EB1-A827-12FD992DE9DC}" type="datetime1">
               <a:rPr lang="zh-TW" altLang="en-US" smtClean="0"/>
               <a:pPr/>
-              <a:t>2019/1/8</a:t>
+              <a:t>2019/1/9</a:t>
             </a:fld>
             <a:endParaRPr lang="zh-TW" altLang="en-US"/>
           </a:p>
@@ -2123,7 +2123,7 @@
             <a:fld id="{6339AF51-4491-4873-A096-75DB6CE47516}" type="datetime1">
               <a:rPr lang="zh-TW" altLang="en-US" smtClean="0"/>
               <a:pPr/>
-              <a:t>2019/1/8</a:t>
+              <a:t>2019/1/9</a:t>
             </a:fld>
             <a:endParaRPr lang="zh-TW" altLang="en-US"/>
           </a:p>
@@ -2237,7 +2237,7 @@
             <a:fld id="{EE4AD9C8-8B9E-40FF-ABE2-858AC2057BBB}" type="datetime1">
               <a:rPr lang="zh-TW" altLang="en-US" smtClean="0"/>
               <a:pPr/>
-              <a:t>2019/1/8</a:t>
+              <a:t>2019/1/9</a:t>
             </a:fld>
             <a:endParaRPr lang="zh-TW" altLang="en-US"/>
           </a:p>
@@ -2329,7 +2329,7 @@
             <a:fld id="{B4784999-BBBE-4BE4-A8D0-877E7D1D66CC}" type="datetime1">
               <a:rPr lang="zh-TW" altLang="en-US" smtClean="0"/>
               <a:pPr/>
-              <a:t>2019/1/8</a:t>
+              <a:t>2019/1/9</a:t>
             </a:fld>
             <a:endParaRPr lang="zh-TW" altLang="en-US"/>
           </a:p>
@@ -2601,7 +2601,7 @@
             <a:fld id="{E88D17E6-02BD-4944-B9FE-7BFCCBF83D48}" type="datetime1">
               <a:rPr lang="zh-TW" altLang="en-US" smtClean="0"/>
               <a:pPr/>
-              <a:t>2019/1/8</a:t>
+              <a:t>2019/1/9</a:t>
             </a:fld>
             <a:endParaRPr lang="zh-TW" altLang="en-US"/>
           </a:p>
@@ -2850,7 +2850,7 @@
             <a:fld id="{3C13E23D-1FEF-4D78-A3A3-3D6F2BB31954}" type="datetime1">
               <a:rPr lang="zh-TW" altLang="en-US" smtClean="0"/>
               <a:pPr/>
-              <a:t>2019/1/8</a:t>
+              <a:t>2019/1/9</a:t>
             </a:fld>
             <a:endParaRPr lang="zh-TW" altLang="en-US"/>
           </a:p>
@@ -3058,7 +3058,7 @@
             <a:fld id="{06197F35-AD6F-4594-8B50-334492D2E7E8}" type="datetime1">
               <a:rPr lang="zh-TW" altLang="en-US" smtClean="0"/>
               <a:pPr/>
-              <a:t>2019/1/8</a:t>
+              <a:t>2019/1/9</a:t>
             </a:fld>
             <a:endParaRPr lang="zh-TW" altLang="en-US"/>
           </a:p>
@@ -3461,7 +3461,7 @@
                   <a:srgbClr val="FFFF00"/>
                 </a:solidFill>
               </a:rPr>
-              <a:t>17 JasperReports API: o</a:t>
+              <a:t>18 JasperReports API: p</a:t>
             </a:r>
             <a:endParaRPr lang="zh-TW" altLang="en-US" sz="4800" b="1" dirty="0">
               <a:solidFill>
@@ -3519,7 +3519,7 @@
             <a:fld id="{C389EDC9-19E3-47AC-9C57-C6A24DEA81AD}" type="datetime1">
               <a:rPr lang="zh-TW" altLang="en-US" smtClean="0"/>
               <a:pPr/>
-              <a:t>2019/1/8</a:t>
+              <a:t>2019/1/9</a:t>
             </a:fld>
             <a:endParaRPr lang="zh-TW" altLang="en-US"/>
           </a:p>
@@ -3692,7 +3692,7 @@
                   <a:srgbClr val="FFFF00"/>
                 </a:solidFill>
               </a:rPr>
-              <a:t>17 JasperReports API: o</a:t>
+              <a:t>18 JasperReports API: o</a:t>
             </a:r>
             <a:endParaRPr lang="zh-TW" altLang="en-US" b="1" dirty="0">
               <a:solidFill>
@@ -3866,7 +3866,7 @@
             <a:fld id="{A4F910E6-8D00-4BAF-8C48-9688E0B449D3}" type="datetime1">
               <a:rPr lang="zh-TW" altLang="en-US" smtClean="0"/>
               <a:pPr/>
-              <a:t>2019/1/8</a:t>
+              <a:t>2019/1/9</a:t>
             </a:fld>
             <a:endParaRPr lang="zh-TW" altLang="en-US"/>
           </a:p>
@@ -4014,7 +4014,7 @@
                   <a:srgbClr val="FFFF00"/>
                 </a:solidFill>
               </a:rPr>
-              <a:t>17.1 API: </a:t>
+              <a:t>18.1 API: </a:t>
             </a:r>
             <a:r>
               <a:rPr lang="en-US" altLang="zh-TW" sz="4800" b="1" dirty="0" err="1">
@@ -4050,7 +4050,7 @@
             <a:fld id="{C389EDC9-19E3-47AC-9C57-C6A24DEA81AD}" type="datetime1">
               <a:rPr lang="zh-TW" altLang="en-US" smtClean="0"/>
               <a:pPr/>
-              <a:t>2019/1/8</a:t>
+              <a:t>2019/1/9</a:t>
             </a:fld>
             <a:endParaRPr lang="zh-TW" altLang="en-US"/>
           </a:p>
@@ -4193,7 +4193,7 @@
                   <a:srgbClr val="FFFF00"/>
                 </a:solidFill>
               </a:rPr>
-              <a:t>17.1 API: paragraph</a:t>
+              <a:t>18.1 API: paragraph</a:t>
             </a:r>
             <a:endParaRPr lang="zh-TW" altLang="en-US" b="1" dirty="0">
               <a:solidFill>
@@ -4369,7 +4369,7 @@
             <a:fld id="{A4F910E6-8D00-4BAF-8C48-9688E0B449D3}" type="datetime1">
               <a:rPr lang="zh-TW" altLang="en-US" smtClean="0"/>
               <a:pPr/>
-              <a:t>2019/1/8</a:t>
+              <a:t>2019/1/9</a:t>
             </a:fld>
             <a:endParaRPr lang="zh-TW" altLang="en-US"/>
           </a:p>
@@ -4500,7 +4500,7 @@
                   <a:srgbClr val="FFFF00"/>
                 </a:solidFill>
               </a:rPr>
-              <a:t>17.2 API: </a:t>
+              <a:t>18.2 API: </a:t>
             </a:r>
             <a:r>
               <a:rPr lang="en-US" altLang="zh-TW" sz="4800" b="1" dirty="0" err="1">
@@ -4536,7 +4536,7 @@
             <a:fld id="{C389EDC9-19E3-47AC-9C57-C6A24DEA81AD}" type="datetime1">
               <a:rPr lang="zh-TW" altLang="en-US" smtClean="0"/>
               <a:pPr/>
-              <a:t>2019/1/8</a:t>
+              <a:t>2019/1/9</a:t>
             </a:fld>
             <a:endParaRPr lang="zh-TW" altLang="en-US"/>
           </a:p>
@@ -4679,7 +4679,7 @@
                   <a:srgbClr val="FFFF00"/>
                 </a:solidFill>
               </a:rPr>
-              <a:t>17.2 API: </a:t>
+              <a:t>18.2 API: </a:t>
             </a:r>
             <a:r>
               <a:rPr lang="en-US" altLang="zh-TW" b="1" dirty="0" err="1">
@@ -4878,7 +4878,7 @@
             <a:fld id="{A4F910E6-8D00-4BAF-8C48-9688E0B449D3}" type="datetime1">
               <a:rPr lang="zh-TW" altLang="en-US" smtClean="0"/>
               <a:pPr/>
-              <a:t>2019/1/8</a:t>
+              <a:t>2019/1/9</a:t>
             </a:fld>
             <a:endParaRPr lang="zh-TW" altLang="en-US"/>
           </a:p>
@@ -5009,7 +5009,7 @@
                   <a:srgbClr val="FFFF00"/>
                 </a:solidFill>
               </a:rPr>
-              <a:t>17.3 API: </a:t>
+              <a:t>18.3 API: </a:t>
             </a:r>
             <a:r>
               <a:rPr lang="en-US" altLang="zh-TW" sz="4800" b="1" dirty="0" err="1">
@@ -5045,7 +5045,7 @@
             <a:fld id="{C389EDC9-19E3-47AC-9C57-C6A24DEA81AD}" type="datetime1">
               <a:rPr lang="zh-TW" altLang="en-US" smtClean="0"/>
               <a:pPr/>
-              <a:t>2019/1/8</a:t>
+              <a:t>2019/1/9</a:t>
             </a:fld>
             <a:endParaRPr lang="zh-TW" altLang="en-US"/>
           </a:p>
@@ -5188,7 +5188,7 @@
                   <a:srgbClr val="FFFF00"/>
                 </a:solidFill>
               </a:rPr>
-              <a:t>17.3 API: </a:t>
+              <a:t>18.3 API: </a:t>
             </a:r>
             <a:r>
               <a:rPr lang="en-US" altLang="zh-TW" b="1" dirty="0" err="1">
@@ -5387,7 +5387,7 @@
             <a:fld id="{A4F910E6-8D00-4BAF-8C48-9688E0B449D3}" type="datetime1">
               <a:rPr lang="zh-TW" altLang="en-US" smtClean="0"/>
               <a:pPr/>
-              <a:t>2019/1/8</a:t>
+              <a:t>2019/1/9</a:t>
             </a:fld>
             <a:endParaRPr lang="zh-TW" altLang="en-US"/>
           </a:p>
@@ -5569,7 +5569,7 @@
             <a:fld id="{4E46BE27-E923-4EC2-B046-3272AE2A3E5C}" type="datetime1">
               <a:rPr lang="zh-TW" altLang="en-US" smtClean="0"/>
               <a:pPr/>
-              <a:t>2019/1/8</a:t>
+              <a:t>2019/1/9</a:t>
             </a:fld>
             <a:endParaRPr lang="zh-TW" altLang="en-US"/>
           </a:p>

--- a/15_Ch18_API_p.pptx
+++ b/15_Ch18_API_p.pptx
@@ -3692,7 +3692,7 @@
                   <a:srgbClr val="FFFF00"/>
                 </a:solidFill>
               </a:rPr>
-              <a:t>18 JasperReports API: o</a:t>
+              <a:t>18 JasperReports API: p</a:t>
             </a:r>
             <a:endParaRPr lang="zh-TW" altLang="en-US" b="1" dirty="0">
               <a:solidFill>
